--- a/CTofSecSys/配图.pptx
+++ b/CTofSecSys/配图.pptx
@@ -8,6 +8,7 @@
     <p:sldId id="256" r:id="rId2"/>
     <p:sldId id="257" r:id="rId3"/>
     <p:sldId id="258" r:id="rId4"/>
+    <p:sldId id="259" r:id="rId5"/>
   </p:sldIdLst>
   <p:sldSz cx="12192000" cy="6858000"/>
   <p:notesSz cx="6858000" cy="9144000"/>
@@ -245,7 +246,7 @@
           <a:p>
             <a:fld id="{5C10C3CA-C1C6-472F-AA54-5EFE3780AACC}" type="datetimeFigureOut">
               <a:rPr lang="zh-CN" altLang="en-US" smtClean="0"/>
-              <a:t>2022/9/16</a:t>
+              <a:t>2022/11/14</a:t>
             </a:fld>
             <a:endParaRPr lang="zh-CN" altLang="en-US"/>
           </a:p>
@@ -415,7 +416,7 @@
           <a:p>
             <a:fld id="{5C10C3CA-C1C6-472F-AA54-5EFE3780AACC}" type="datetimeFigureOut">
               <a:rPr lang="zh-CN" altLang="en-US" smtClean="0"/>
-              <a:t>2022/9/16</a:t>
+              <a:t>2022/11/14</a:t>
             </a:fld>
             <a:endParaRPr lang="zh-CN" altLang="en-US"/>
           </a:p>
@@ -595,7 +596,7 @@
           <a:p>
             <a:fld id="{5C10C3CA-C1C6-472F-AA54-5EFE3780AACC}" type="datetimeFigureOut">
               <a:rPr lang="zh-CN" altLang="en-US" smtClean="0"/>
-              <a:t>2022/9/16</a:t>
+              <a:t>2022/11/14</a:t>
             </a:fld>
             <a:endParaRPr lang="zh-CN" altLang="en-US"/>
           </a:p>
@@ -765,7 +766,7 @@
           <a:p>
             <a:fld id="{5C10C3CA-C1C6-472F-AA54-5EFE3780AACC}" type="datetimeFigureOut">
               <a:rPr lang="zh-CN" altLang="en-US" smtClean="0"/>
-              <a:t>2022/9/16</a:t>
+              <a:t>2022/11/14</a:t>
             </a:fld>
             <a:endParaRPr lang="zh-CN" altLang="en-US"/>
           </a:p>
@@ -1011,7 +1012,7 @@
           <a:p>
             <a:fld id="{5C10C3CA-C1C6-472F-AA54-5EFE3780AACC}" type="datetimeFigureOut">
               <a:rPr lang="zh-CN" altLang="en-US" smtClean="0"/>
-              <a:t>2022/9/16</a:t>
+              <a:t>2022/11/14</a:t>
             </a:fld>
             <a:endParaRPr lang="zh-CN" altLang="en-US"/>
           </a:p>
@@ -1243,7 +1244,7 @@
           <a:p>
             <a:fld id="{5C10C3CA-C1C6-472F-AA54-5EFE3780AACC}" type="datetimeFigureOut">
               <a:rPr lang="zh-CN" altLang="en-US" smtClean="0"/>
-              <a:t>2022/9/16</a:t>
+              <a:t>2022/11/14</a:t>
             </a:fld>
             <a:endParaRPr lang="zh-CN" altLang="en-US"/>
           </a:p>
@@ -1610,7 +1611,7 @@
           <a:p>
             <a:fld id="{5C10C3CA-C1C6-472F-AA54-5EFE3780AACC}" type="datetimeFigureOut">
               <a:rPr lang="zh-CN" altLang="en-US" smtClean="0"/>
-              <a:t>2022/9/16</a:t>
+              <a:t>2022/11/14</a:t>
             </a:fld>
             <a:endParaRPr lang="zh-CN" altLang="en-US"/>
           </a:p>
@@ -1728,7 +1729,7 @@
           <a:p>
             <a:fld id="{5C10C3CA-C1C6-472F-AA54-5EFE3780AACC}" type="datetimeFigureOut">
               <a:rPr lang="zh-CN" altLang="en-US" smtClean="0"/>
-              <a:t>2022/9/16</a:t>
+              <a:t>2022/11/14</a:t>
             </a:fld>
             <a:endParaRPr lang="zh-CN" altLang="en-US"/>
           </a:p>
@@ -1823,7 +1824,7 @@
           <a:p>
             <a:fld id="{5C10C3CA-C1C6-472F-AA54-5EFE3780AACC}" type="datetimeFigureOut">
               <a:rPr lang="zh-CN" altLang="en-US" smtClean="0"/>
-              <a:t>2022/9/16</a:t>
+              <a:t>2022/11/14</a:t>
             </a:fld>
             <a:endParaRPr lang="zh-CN" altLang="en-US"/>
           </a:p>
@@ -2100,7 +2101,7 @@
           <a:p>
             <a:fld id="{5C10C3CA-C1C6-472F-AA54-5EFE3780AACC}" type="datetimeFigureOut">
               <a:rPr lang="zh-CN" altLang="en-US" smtClean="0"/>
-              <a:t>2022/9/16</a:t>
+              <a:t>2022/11/14</a:t>
             </a:fld>
             <a:endParaRPr lang="zh-CN" altLang="en-US"/>
           </a:p>
@@ -2353,7 +2354,7 @@
           <a:p>
             <a:fld id="{5C10C3CA-C1C6-472F-AA54-5EFE3780AACC}" type="datetimeFigureOut">
               <a:rPr lang="zh-CN" altLang="en-US" smtClean="0"/>
-              <a:t>2022/9/16</a:t>
+              <a:t>2022/11/14</a:t>
             </a:fld>
             <a:endParaRPr lang="zh-CN" altLang="en-US"/>
           </a:p>
@@ -2566,7 +2567,7 @@
           <a:p>
             <a:fld id="{5C10C3CA-C1C6-472F-AA54-5EFE3780AACC}" type="datetimeFigureOut">
               <a:rPr lang="zh-CN" altLang="en-US" smtClean="0"/>
-              <a:t>2022/9/16</a:t>
+              <a:t>2022/11/14</a:t>
             </a:fld>
             <a:endParaRPr lang="zh-CN" altLang="en-US"/>
           </a:p>
@@ -6144,6 +6145,142 @@
           </a:p>
         </p:txBody>
       </p:sp>
+      <p:sp>
+        <p:nvSpPr>
+          <p:cNvPr id="87" name="文本框 86"/>
+          <p:cNvSpPr txBox="1"/>
+          <p:nvPr/>
+        </p:nvSpPr>
+        <p:spPr>
+          <a:xfrm>
+            <a:off x="7054120" y="4681789"/>
+            <a:ext cx="505700" cy="338554"/>
+          </a:xfrm>
+          <a:prstGeom prst="rect">
+            <a:avLst/>
+          </a:prstGeom>
+          <a:noFill/>
+        </p:spPr>
+        <p:txBody>
+          <a:bodyPr wrap="square" rtlCol="0">
+            <a:spAutoFit/>
+          </a:bodyPr>
+          <a:lstStyle/>
+          <a:p>
+            <a:r>
+              <a:rPr lang="en-US" altLang="zh-CN" sz="1600" b="1" dirty="0" smtClean="0"/>
+              <a:t>E</a:t>
+            </a:r>
+            <a:r>
+              <a:rPr lang="en-US" altLang="zh-CN" sz="1600" b="1" baseline="-25000" dirty="0"/>
+              <a:t>4</a:t>
+            </a:r>
+            <a:endParaRPr lang="zh-CN" altLang="en-US" sz="1600" b="1" baseline="-25000" dirty="0"/>
+          </a:p>
+        </p:txBody>
+      </p:sp>
+      <p:sp>
+        <p:nvSpPr>
+          <p:cNvPr id="89" name="文本框 88"/>
+          <p:cNvSpPr txBox="1"/>
+          <p:nvPr/>
+        </p:nvSpPr>
+        <p:spPr>
+          <a:xfrm>
+            <a:off x="7039488" y="4034581"/>
+            <a:ext cx="535826" cy="338554"/>
+          </a:xfrm>
+          <a:prstGeom prst="rect">
+            <a:avLst/>
+          </a:prstGeom>
+          <a:noFill/>
+        </p:spPr>
+        <p:txBody>
+          <a:bodyPr wrap="square" rtlCol="0">
+            <a:spAutoFit/>
+          </a:bodyPr>
+          <a:lstStyle/>
+          <a:p>
+            <a:r>
+              <a:rPr lang="en-US" altLang="zh-CN" sz="1600" b="1" dirty="0" smtClean="0"/>
+              <a:t>E</a:t>
+            </a:r>
+            <a:r>
+              <a:rPr lang="en-US" altLang="zh-CN" sz="1600" b="1" baseline="-25000" dirty="0"/>
+              <a:t>2</a:t>
+            </a:r>
+            <a:endParaRPr lang="zh-CN" altLang="en-US" sz="1600" b="1" baseline="-25000" dirty="0"/>
+          </a:p>
+        </p:txBody>
+      </p:sp>
+      <p:sp>
+        <p:nvSpPr>
+          <p:cNvPr id="90" name="文本框 89"/>
+          <p:cNvSpPr txBox="1"/>
+          <p:nvPr/>
+        </p:nvSpPr>
+        <p:spPr>
+          <a:xfrm>
+            <a:off x="7028891" y="3324615"/>
+            <a:ext cx="385947" cy="338554"/>
+          </a:xfrm>
+          <a:prstGeom prst="rect">
+            <a:avLst/>
+          </a:prstGeom>
+          <a:noFill/>
+        </p:spPr>
+        <p:txBody>
+          <a:bodyPr wrap="square" rtlCol="0">
+            <a:spAutoFit/>
+          </a:bodyPr>
+          <a:lstStyle/>
+          <a:p>
+            <a:r>
+              <a:rPr lang="en-US" altLang="zh-CN" sz="1600" b="1" dirty="0" smtClean="0"/>
+              <a:t>E</a:t>
+            </a:r>
+            <a:r>
+              <a:rPr lang="en-US" altLang="zh-CN" sz="1600" b="1" baseline="-25000" dirty="0"/>
+              <a:t>1</a:t>
+            </a:r>
+            <a:endParaRPr lang="zh-CN" altLang="en-US" sz="1600" b="1" baseline="-25000" dirty="0"/>
+          </a:p>
+        </p:txBody>
+      </p:sp>
+      <p:sp>
+        <p:nvSpPr>
+          <p:cNvPr id="91" name="文本框 90"/>
+          <p:cNvSpPr txBox="1"/>
+          <p:nvPr/>
+        </p:nvSpPr>
+        <p:spPr>
+          <a:xfrm>
+            <a:off x="7042812" y="5401641"/>
+            <a:ext cx="505700" cy="338554"/>
+          </a:xfrm>
+          <a:prstGeom prst="rect">
+            <a:avLst/>
+          </a:prstGeom>
+          <a:noFill/>
+        </p:spPr>
+        <p:txBody>
+          <a:bodyPr wrap="square" rtlCol="0">
+            <a:spAutoFit/>
+          </a:bodyPr>
+          <a:lstStyle/>
+          <a:p>
+            <a:r>
+              <a:rPr lang="en-US" altLang="zh-CN" sz="1600" b="1" dirty="0" smtClean="0"/>
+              <a:t>E</a:t>
+            </a:r>
+            <a:r>
+              <a:rPr lang="en-US" altLang="zh-CN" sz="1600" b="1" baseline="-25000" dirty="0" smtClean="0"/>
+              <a:t>3</a:t>
+            </a:r>
+            <a:endParaRPr lang="zh-CN" altLang="en-US" sz="1600" b="1" baseline="-25000" dirty="0"/>
+          </a:p>
+        </p:txBody>
+      </p:sp>
     </p:spTree>
     <p:extLst>
       <p:ext uri="{BB962C8B-B14F-4D97-AF65-F5344CB8AC3E}">
@@ -12216,6 +12353,84 @@
     <p:extLst>
       <p:ext uri="{BB962C8B-B14F-4D97-AF65-F5344CB8AC3E}">
         <p14:creationId xmlns:p14="http://schemas.microsoft.com/office/powerpoint/2010/main" val="3417221082"/>
+      </p:ext>
+    </p:extLst>
+  </p:cSld>
+  <p:clrMapOvr>
+    <a:masterClrMapping/>
+  </p:clrMapOvr>
+</p:sld>
+</file>
+
+<file path=ppt/slides/slide4.xml><?xml version="1.0" encoding="utf-8"?>
+<p:sld xmlns:a="http://schemas.openxmlformats.org/drawingml/2006/main" xmlns:r="http://schemas.openxmlformats.org/officeDocument/2006/relationships" xmlns:p="http://schemas.openxmlformats.org/presentationml/2006/main">
+  <p:cSld>
+    <p:spTree>
+      <p:nvGrpSpPr>
+        <p:cNvPr id="1" name=""/>
+        <p:cNvGrpSpPr/>
+        <p:nvPr/>
+      </p:nvGrpSpPr>
+      <p:grpSpPr>
+        <a:xfrm>
+          <a:off x="0" y="0"/>
+          <a:ext cx="0" cy="0"/>
+          <a:chOff x="0" y="0"/>
+          <a:chExt cx="0" cy="0"/>
+        </a:xfrm>
+      </p:grpSpPr>
+      <p:pic>
+        <p:nvPicPr>
+          <p:cNvPr id="6" name="图片 5"/>
+          <p:cNvPicPr>
+            <a:picLocks noChangeAspect="1"/>
+          </p:cNvPicPr>
+          <p:nvPr/>
+        </p:nvPicPr>
+        <p:blipFill>
+          <a:blip r:embed="rId2"/>
+          <a:stretch>
+            <a:fillRect/>
+          </a:stretch>
+        </p:blipFill>
+        <p:spPr>
+          <a:xfrm>
+            <a:off x="1169386" y="1288706"/>
+            <a:ext cx="2505075" cy="2581275"/>
+          </a:xfrm>
+          <a:prstGeom prst="rect">
+            <a:avLst/>
+          </a:prstGeom>
+        </p:spPr>
+      </p:pic>
+      <p:pic>
+        <p:nvPicPr>
+          <p:cNvPr id="7" name="图片 6"/>
+          <p:cNvPicPr>
+            <a:picLocks noChangeAspect="1"/>
+          </p:cNvPicPr>
+          <p:nvPr/>
+        </p:nvPicPr>
+        <p:blipFill>
+          <a:blip r:embed="rId3"/>
+          <a:stretch>
+            <a:fillRect/>
+          </a:stretch>
+        </p:blipFill>
+        <p:spPr>
+          <a:xfrm>
+            <a:off x="4560672" y="1298231"/>
+            <a:ext cx="2362200" cy="2571750"/>
+          </a:xfrm>
+          <a:prstGeom prst="rect">
+            <a:avLst/>
+          </a:prstGeom>
+        </p:spPr>
+      </p:pic>
+    </p:spTree>
+    <p:extLst>
+      <p:ext uri="{BB962C8B-B14F-4D97-AF65-F5344CB8AC3E}">
+        <p14:creationId xmlns:p14="http://schemas.microsoft.com/office/powerpoint/2010/main" val="465293531"/>
       </p:ext>
     </p:extLst>
   </p:cSld>

--- a/CTofSecSys/配图.pptx
+++ b/CTofSecSys/配图.pptx
@@ -9,6 +9,7 @@
     <p:sldId id="257" r:id="rId3"/>
     <p:sldId id="258" r:id="rId4"/>
     <p:sldId id="259" r:id="rId5"/>
+    <p:sldId id="260" r:id="rId6"/>
   </p:sldIdLst>
   <p:sldSz cx="12192000" cy="6858000"/>
   <p:notesSz cx="6858000" cy="9144000"/>
@@ -246,7 +247,7 @@
           <a:p>
             <a:fld id="{5C10C3CA-C1C6-472F-AA54-5EFE3780AACC}" type="datetimeFigureOut">
               <a:rPr lang="zh-CN" altLang="en-US" smtClean="0"/>
-              <a:t>2022/11/14</a:t>
+              <a:t>2023/11/1</a:t>
             </a:fld>
             <a:endParaRPr lang="zh-CN" altLang="en-US"/>
           </a:p>
@@ -416,7 +417,7 @@
           <a:p>
             <a:fld id="{5C10C3CA-C1C6-472F-AA54-5EFE3780AACC}" type="datetimeFigureOut">
               <a:rPr lang="zh-CN" altLang="en-US" smtClean="0"/>
-              <a:t>2022/11/14</a:t>
+              <a:t>2023/11/1</a:t>
             </a:fld>
             <a:endParaRPr lang="zh-CN" altLang="en-US"/>
           </a:p>
@@ -596,7 +597,7 @@
           <a:p>
             <a:fld id="{5C10C3CA-C1C6-472F-AA54-5EFE3780AACC}" type="datetimeFigureOut">
               <a:rPr lang="zh-CN" altLang="en-US" smtClean="0"/>
-              <a:t>2022/11/14</a:t>
+              <a:t>2023/11/1</a:t>
             </a:fld>
             <a:endParaRPr lang="zh-CN" altLang="en-US"/>
           </a:p>
@@ -766,7 +767,7 @@
           <a:p>
             <a:fld id="{5C10C3CA-C1C6-472F-AA54-5EFE3780AACC}" type="datetimeFigureOut">
               <a:rPr lang="zh-CN" altLang="en-US" smtClean="0"/>
-              <a:t>2022/11/14</a:t>
+              <a:t>2023/11/1</a:t>
             </a:fld>
             <a:endParaRPr lang="zh-CN" altLang="en-US"/>
           </a:p>
@@ -1012,7 +1013,7 @@
           <a:p>
             <a:fld id="{5C10C3CA-C1C6-472F-AA54-5EFE3780AACC}" type="datetimeFigureOut">
               <a:rPr lang="zh-CN" altLang="en-US" smtClean="0"/>
-              <a:t>2022/11/14</a:t>
+              <a:t>2023/11/1</a:t>
             </a:fld>
             <a:endParaRPr lang="zh-CN" altLang="en-US"/>
           </a:p>
@@ -1244,7 +1245,7 @@
           <a:p>
             <a:fld id="{5C10C3CA-C1C6-472F-AA54-5EFE3780AACC}" type="datetimeFigureOut">
               <a:rPr lang="zh-CN" altLang="en-US" smtClean="0"/>
-              <a:t>2022/11/14</a:t>
+              <a:t>2023/11/1</a:t>
             </a:fld>
             <a:endParaRPr lang="zh-CN" altLang="en-US"/>
           </a:p>
@@ -1611,7 +1612,7 @@
           <a:p>
             <a:fld id="{5C10C3CA-C1C6-472F-AA54-5EFE3780AACC}" type="datetimeFigureOut">
               <a:rPr lang="zh-CN" altLang="en-US" smtClean="0"/>
-              <a:t>2022/11/14</a:t>
+              <a:t>2023/11/1</a:t>
             </a:fld>
             <a:endParaRPr lang="zh-CN" altLang="en-US"/>
           </a:p>
@@ -1729,7 +1730,7 @@
           <a:p>
             <a:fld id="{5C10C3CA-C1C6-472F-AA54-5EFE3780AACC}" type="datetimeFigureOut">
               <a:rPr lang="zh-CN" altLang="en-US" smtClean="0"/>
-              <a:t>2022/11/14</a:t>
+              <a:t>2023/11/1</a:t>
             </a:fld>
             <a:endParaRPr lang="zh-CN" altLang="en-US"/>
           </a:p>
@@ -1824,7 +1825,7 @@
           <a:p>
             <a:fld id="{5C10C3CA-C1C6-472F-AA54-5EFE3780AACC}" type="datetimeFigureOut">
               <a:rPr lang="zh-CN" altLang="en-US" smtClean="0"/>
-              <a:t>2022/11/14</a:t>
+              <a:t>2023/11/1</a:t>
             </a:fld>
             <a:endParaRPr lang="zh-CN" altLang="en-US"/>
           </a:p>
@@ -2101,7 +2102,7 @@
           <a:p>
             <a:fld id="{5C10C3CA-C1C6-472F-AA54-5EFE3780AACC}" type="datetimeFigureOut">
               <a:rPr lang="zh-CN" altLang="en-US" smtClean="0"/>
-              <a:t>2022/11/14</a:t>
+              <a:t>2023/11/1</a:t>
             </a:fld>
             <a:endParaRPr lang="zh-CN" altLang="en-US"/>
           </a:p>
@@ -2354,7 +2355,7 @@
           <a:p>
             <a:fld id="{5C10C3CA-C1C6-472F-AA54-5EFE3780AACC}" type="datetimeFigureOut">
               <a:rPr lang="zh-CN" altLang="en-US" smtClean="0"/>
-              <a:t>2022/11/14</a:t>
+              <a:t>2023/11/1</a:t>
             </a:fld>
             <a:endParaRPr lang="zh-CN" altLang="en-US"/>
           </a:p>
@@ -2567,7 +2568,7 @@
           <a:p>
             <a:fld id="{5C10C3CA-C1C6-472F-AA54-5EFE3780AACC}" type="datetimeFigureOut">
               <a:rPr lang="zh-CN" altLang="en-US" smtClean="0"/>
-              <a:t>2022/11/14</a:t>
+              <a:t>2023/11/1</a:t>
             </a:fld>
             <a:endParaRPr lang="zh-CN" altLang="en-US"/>
           </a:p>
@@ -12440,6 +12441,510 @@
 </p:sld>
 </file>
 
+<file path=ppt/slides/slide5.xml><?xml version="1.0" encoding="utf-8"?>
+<p:sld xmlns:a="http://schemas.openxmlformats.org/drawingml/2006/main" xmlns:r="http://schemas.openxmlformats.org/officeDocument/2006/relationships" xmlns:p="http://schemas.openxmlformats.org/presentationml/2006/main">
+  <p:cSld>
+    <p:spTree>
+      <p:nvGrpSpPr>
+        <p:cNvPr id="1" name=""/>
+        <p:cNvGrpSpPr/>
+        <p:nvPr/>
+      </p:nvGrpSpPr>
+      <p:grpSpPr>
+        <a:xfrm>
+          <a:off x="0" y="0"/>
+          <a:ext cx="0" cy="0"/>
+          <a:chOff x="0" y="0"/>
+          <a:chExt cx="0" cy="0"/>
+        </a:xfrm>
+      </p:grpSpPr>
+      <p:sp>
+        <p:nvSpPr>
+          <p:cNvPr id="2" name="标题 1"/>
+          <p:cNvSpPr>
+            <a:spLocks noGrp="1"/>
+          </p:cNvSpPr>
+          <p:nvPr>
+            <p:ph type="title"/>
+          </p:nvPr>
+        </p:nvSpPr>
+        <p:spPr/>
+        <p:txBody>
+          <a:bodyPr/>
+          <a:lstStyle/>
+          <a:p>
+            <a:endParaRPr lang="zh-CN" altLang="en-US"/>
+          </a:p>
+        </p:txBody>
+      </p:sp>
+      <p:graphicFrame>
+        <p:nvGraphicFramePr>
+          <p:cNvPr id="6" name="内容占位符 5"/>
+          <p:cNvGraphicFramePr>
+            <a:graphicFrameLocks noGrp="1"/>
+          </p:cNvGraphicFramePr>
+          <p:nvPr>
+            <p:ph idx="1"/>
+            <p:extLst>
+              <p:ext uri="{D42A27DB-BD31-4B8C-83A1-F6EECF244321}">
+                <p14:modId xmlns:p14="http://schemas.microsoft.com/office/powerpoint/2010/main" val="398243076"/>
+              </p:ext>
+            </p:extLst>
+          </p:nvPr>
+        </p:nvGraphicFramePr>
+        <p:xfrm>
+          <a:off x="4105507" y="2695420"/>
+          <a:ext cx="2880000" cy="1567195"/>
+        </p:xfrm>
+        <a:graphic>
+          <a:graphicData uri="http://schemas.openxmlformats.org/drawingml/2006/table">
+            <a:tbl>
+              <a:tblPr firstRow="1" bandRow="1">
+                <a:tableStyleId>{5C22544A-7EE6-4342-B048-85BDC9FD1C3A}</a:tableStyleId>
+              </a:tblPr>
+              <a:tblGrid>
+                <a:gridCol w="720000">
+                  <a:extLst>
+                    <a:ext uri="{9D8B030D-6E8A-4147-A177-3AD203B41FA5}">
+                      <a16:colId xmlns:a16="http://schemas.microsoft.com/office/drawing/2014/main" val="1094598334"/>
+                    </a:ext>
+                  </a:extLst>
+                </a:gridCol>
+                <a:gridCol w="720000">
+                  <a:extLst>
+                    <a:ext uri="{9D8B030D-6E8A-4147-A177-3AD203B41FA5}">
+                      <a16:colId xmlns:a16="http://schemas.microsoft.com/office/drawing/2014/main" val="3429351529"/>
+                    </a:ext>
+                  </a:extLst>
+                </a:gridCol>
+                <a:gridCol w="720000">
+                  <a:extLst>
+                    <a:ext uri="{9D8B030D-6E8A-4147-A177-3AD203B41FA5}">
+                      <a16:colId xmlns:a16="http://schemas.microsoft.com/office/drawing/2014/main" val="3504517265"/>
+                    </a:ext>
+                  </a:extLst>
+                </a:gridCol>
+                <a:gridCol w="720000">
+                  <a:extLst>
+                    <a:ext uri="{9D8B030D-6E8A-4147-A177-3AD203B41FA5}">
+                      <a16:colId xmlns:a16="http://schemas.microsoft.com/office/drawing/2014/main" val="2198008141"/>
+                    </a:ext>
+                  </a:extLst>
+                </a:gridCol>
+              </a:tblGrid>
+              <a:tr h="370840">
+                <a:tc>
+                  <a:txBody>
+                    <a:bodyPr/>
+                    <a:lstStyle/>
+                    <a:p>
+                      <a:pPr algn="ctr"/>
+                      <a:r>
+                        <a:rPr lang="en-US" altLang="zh-CN" dirty="0" smtClean="0">
+                          <a:latin typeface="Arial Black" panose="020B0A04020102020204" pitchFamily="34" charset="0"/>
+                        </a:rPr>
+                        <a:t>……</a:t>
+                      </a:r>
+                      <a:endParaRPr lang="zh-CN" altLang="en-US" dirty="0">
+                        <a:latin typeface="Arial Black" panose="020B0A04020102020204" pitchFamily="34" charset="0"/>
+                      </a:endParaRPr>
+                    </a:p>
+                  </a:txBody>
+                  <a:tcPr anchor="ctr"/>
+                </a:tc>
+                <a:tc>
+                  <a:txBody>
+                    <a:bodyPr/>
+                    <a:lstStyle/>
+                    <a:p>
+                      <a:pPr algn="ctr"/>
+                      <a:r>
+                        <a:rPr lang="en-US" altLang="zh-CN" dirty="0" smtClean="0">
+                          <a:latin typeface="Arial Black" panose="020B0A04020102020204" pitchFamily="34" charset="0"/>
+                        </a:rPr>
+                        <a:t>h</a:t>
+                      </a:r>
+                      <a:endParaRPr lang="zh-CN" altLang="en-US" dirty="0">
+                        <a:latin typeface="Arial Black" panose="020B0A04020102020204" pitchFamily="34" charset="0"/>
+                      </a:endParaRPr>
+                    </a:p>
+                  </a:txBody>
+                  <a:tcPr anchor="ctr"/>
+                </a:tc>
+                <a:tc>
+                  <a:txBody>
+                    <a:bodyPr/>
+                    <a:lstStyle/>
+                    <a:p>
+                      <a:pPr algn="ctr"/>
+                      <a:r>
+                        <a:rPr lang="en-US" altLang="zh-CN" dirty="0" err="1" smtClean="0">
+                          <a:latin typeface="Arial Black" panose="020B0A04020102020204" pitchFamily="34" charset="0"/>
+                        </a:rPr>
+                        <a:t>i</a:t>
+                      </a:r>
+                      <a:endParaRPr lang="zh-CN" altLang="en-US" dirty="0">
+                        <a:latin typeface="Arial Black" panose="020B0A04020102020204" pitchFamily="34" charset="0"/>
+                      </a:endParaRPr>
+                    </a:p>
+                  </a:txBody>
+                  <a:tcPr anchor="ctr"/>
+                </a:tc>
+                <a:tc>
+                  <a:txBody>
+                    <a:bodyPr/>
+                    <a:lstStyle/>
+                    <a:p>
+                      <a:pPr algn="ctr"/>
+                      <a:r>
+                        <a:rPr lang="en-US" altLang="zh-CN" dirty="0" smtClean="0">
+                          <a:latin typeface="Arial Black" panose="020B0A04020102020204" pitchFamily="34" charset="0"/>
+                        </a:rPr>
+                        <a:t>……</a:t>
+                      </a:r>
+                      <a:endParaRPr lang="zh-CN" altLang="en-US" dirty="0">
+                        <a:latin typeface="Arial Black" panose="020B0A04020102020204" pitchFamily="34" charset="0"/>
+                      </a:endParaRPr>
+                    </a:p>
+                  </a:txBody>
+                  <a:tcPr anchor="ctr"/>
+                </a:tc>
+                <a:extLst>
+                  <a:ext uri="{0D108BD9-81ED-4DB2-BD59-A6C34878D82A}">
+                    <a16:rowId xmlns:a16="http://schemas.microsoft.com/office/drawing/2014/main" val="3554811663"/>
+                  </a:ext>
+                </a:extLst>
+              </a:tr>
+              <a:tr h="370840">
+                <a:tc>
+                  <a:txBody>
+                    <a:bodyPr/>
+                    <a:lstStyle/>
+                    <a:p>
+                      <a:pPr algn="ctr"/>
+                      <a:r>
+                        <a:rPr lang="en-US" altLang="zh-CN" dirty="0" smtClean="0">
+                          <a:latin typeface="Arial Black" panose="020B0A04020102020204" pitchFamily="34" charset="0"/>
+                        </a:rPr>
+                        <a:t>h</a:t>
+                      </a:r>
+                      <a:endParaRPr lang="zh-CN" altLang="en-US" dirty="0">
+                        <a:latin typeface="Arial Black" panose="020B0A04020102020204" pitchFamily="34" charset="0"/>
+                      </a:endParaRPr>
+                    </a:p>
+                  </a:txBody>
+                  <a:tcPr anchor="ctr"/>
+                </a:tc>
+                <a:tc>
+                  <a:txBody>
+                    <a:bodyPr/>
+                    <a:lstStyle/>
+                    <a:p>
+                      <a:pPr algn="ctr"/>
+                      <a:r>
+                        <a:rPr lang="zh-CN" altLang="en-US" dirty="0" smtClean="0"/>
+                        <a:t>◆</a:t>
+                      </a:r>
+                      <a:endParaRPr lang="zh-CN" altLang="en-US" dirty="0"/>
+                    </a:p>
+                  </a:txBody>
+                  <a:tcPr anchor="ctr"/>
+                </a:tc>
+                <a:tc>
+                  <a:txBody>
+                    <a:bodyPr/>
+                    <a:lstStyle/>
+                    <a:p>
+                      <a:pPr algn="ctr"/>
+                      <a:r>
+                        <a:rPr lang="zh-CN" altLang="en-US" dirty="0" smtClean="0"/>
+                        <a:t>▇</a:t>
+                      </a:r>
+                      <a:endParaRPr lang="zh-CN" altLang="en-US" dirty="0"/>
+                    </a:p>
+                  </a:txBody>
+                  <a:tcPr anchor="ctr"/>
+                </a:tc>
+                <a:tc>
+                  <a:txBody>
+                    <a:bodyPr/>
+                    <a:lstStyle/>
+                    <a:p>
+                      <a:pPr algn="ctr"/>
+                      <a:r>
+                        <a:rPr lang="en-US" altLang="zh-CN" dirty="0" smtClean="0">
+                          <a:latin typeface="Arial Black" panose="020B0A04020102020204" pitchFamily="34" charset="0"/>
+                        </a:rPr>
+                        <a:t>……</a:t>
+                      </a:r>
+                      <a:endParaRPr lang="zh-CN" altLang="en-US" dirty="0">
+                        <a:latin typeface="Arial Black" panose="020B0A04020102020204" pitchFamily="34" charset="0"/>
+                      </a:endParaRPr>
+                    </a:p>
+                  </a:txBody>
+                  <a:tcPr anchor="ctr"/>
+                </a:tc>
+                <a:extLst>
+                  <a:ext uri="{0D108BD9-81ED-4DB2-BD59-A6C34878D82A}">
+                    <a16:rowId xmlns:a16="http://schemas.microsoft.com/office/drawing/2014/main" val="2397603047"/>
+                  </a:ext>
+                </a:extLst>
+              </a:tr>
+              <a:tr h="454675">
+                <a:tc>
+                  <a:txBody>
+                    <a:bodyPr/>
+                    <a:lstStyle/>
+                    <a:p>
+                      <a:pPr algn="ctr"/>
+                      <a:r>
+                        <a:rPr lang="en-US" altLang="zh-CN" dirty="0" err="1" smtClean="0">
+                          <a:latin typeface="Arial Black" panose="020B0A04020102020204" pitchFamily="34" charset="0"/>
+                        </a:rPr>
+                        <a:t>i</a:t>
+                      </a:r>
+                      <a:endParaRPr lang="zh-CN" altLang="en-US" dirty="0">
+                        <a:latin typeface="Arial Black" panose="020B0A04020102020204" pitchFamily="34" charset="0"/>
+                      </a:endParaRPr>
+                    </a:p>
+                  </a:txBody>
+                  <a:tcPr anchor="ctr"/>
+                </a:tc>
+                <a:tc>
+                  <a:txBody>
+                    <a:bodyPr/>
+                    <a:lstStyle/>
+                    <a:p>
+                      <a:pPr algn="ctr"/>
+                      <a:r>
+                        <a:rPr lang="zh-CN" altLang="en-US" dirty="0" smtClean="0"/>
+                        <a:t>●</a:t>
+                      </a:r>
+                      <a:endParaRPr lang="zh-CN" altLang="en-US" dirty="0"/>
+                    </a:p>
+                  </a:txBody>
+                  <a:tcPr anchor="ctr"/>
+                </a:tc>
+                <a:tc>
+                  <a:txBody>
+                    <a:bodyPr/>
+                    <a:lstStyle/>
+                    <a:p>
+                      <a:pPr marL="0" marR="0" indent="0" algn="ctr" defTabSz="914400" rtl="0" eaLnBrk="1" fontAlgn="auto" latinLnBrk="0" hangingPunct="1">
+                        <a:lnSpc>
+                          <a:spcPct val="100000"/>
+                        </a:lnSpc>
+                        <a:spcBef>
+                          <a:spcPts val="0"/>
+                        </a:spcBef>
+                        <a:spcAft>
+                          <a:spcPts val="0"/>
+                        </a:spcAft>
+                        <a:buClrTx/>
+                        <a:buSzTx/>
+                        <a:buFontTx/>
+                        <a:buNone/>
+                        <a:tabLst/>
+                        <a:defRPr/>
+                      </a:pPr>
+                      <a:r>
+                        <a:rPr lang="zh-CN" altLang="en-US" dirty="0" smtClean="0"/>
+                        <a:t>★</a:t>
+                      </a:r>
+                      <a:endParaRPr lang="zh-CN" altLang="en-US" dirty="0"/>
+                    </a:p>
+                  </a:txBody>
+                  <a:tcPr anchor="ctr"/>
+                </a:tc>
+                <a:tc>
+                  <a:txBody>
+                    <a:bodyPr/>
+                    <a:lstStyle/>
+                    <a:p>
+                      <a:pPr algn="ctr"/>
+                      <a:r>
+                        <a:rPr lang="en-US" altLang="zh-CN" dirty="0" smtClean="0">
+                          <a:latin typeface="Arial Black" panose="020B0A04020102020204" pitchFamily="34" charset="0"/>
+                        </a:rPr>
+                        <a:t>……</a:t>
+                      </a:r>
+                      <a:endParaRPr lang="zh-CN" altLang="en-US" dirty="0">
+                        <a:latin typeface="Arial Black" panose="020B0A04020102020204" pitchFamily="34" charset="0"/>
+                      </a:endParaRPr>
+                    </a:p>
+                  </a:txBody>
+                  <a:tcPr anchor="ctr"/>
+                </a:tc>
+                <a:extLst>
+                  <a:ext uri="{0D108BD9-81ED-4DB2-BD59-A6C34878D82A}">
+                    <a16:rowId xmlns:a16="http://schemas.microsoft.com/office/drawing/2014/main" val="1225456926"/>
+                  </a:ext>
+                </a:extLst>
+              </a:tr>
+              <a:tr h="370840">
+                <a:tc>
+                  <a:txBody>
+                    <a:bodyPr/>
+                    <a:lstStyle/>
+                    <a:p>
+                      <a:pPr algn="ctr"/>
+                      <a:r>
+                        <a:rPr lang="en-US" altLang="zh-CN" dirty="0" smtClean="0">
+                          <a:latin typeface="Arial Black" panose="020B0A04020102020204" pitchFamily="34" charset="0"/>
+                        </a:rPr>
+                        <a:t>……</a:t>
+                      </a:r>
+                      <a:endParaRPr lang="zh-CN" altLang="en-US" dirty="0">
+                        <a:latin typeface="Arial Black" panose="020B0A04020102020204" pitchFamily="34" charset="0"/>
+                      </a:endParaRPr>
+                    </a:p>
+                  </a:txBody>
+                  <a:tcPr anchor="ctr"/>
+                </a:tc>
+                <a:tc>
+                  <a:txBody>
+                    <a:bodyPr/>
+                    <a:lstStyle/>
+                    <a:p>
+                      <a:pPr algn="ctr"/>
+                      <a:r>
+                        <a:rPr lang="en-US" altLang="zh-CN" dirty="0" smtClean="0">
+                          <a:latin typeface="Arial Black" panose="020B0A04020102020204" pitchFamily="34" charset="0"/>
+                        </a:rPr>
+                        <a:t>……</a:t>
+                      </a:r>
+                      <a:endParaRPr lang="zh-CN" altLang="en-US" dirty="0">
+                        <a:latin typeface="Arial Black" panose="020B0A04020102020204" pitchFamily="34" charset="0"/>
+                      </a:endParaRPr>
+                    </a:p>
+                  </a:txBody>
+                  <a:tcPr anchor="ctr"/>
+                </a:tc>
+                <a:tc>
+                  <a:txBody>
+                    <a:bodyPr/>
+                    <a:lstStyle/>
+                    <a:p>
+                      <a:pPr algn="ctr"/>
+                      <a:r>
+                        <a:rPr lang="en-US" altLang="zh-CN" dirty="0" smtClean="0">
+                          <a:latin typeface="Arial Black" panose="020B0A04020102020204" pitchFamily="34" charset="0"/>
+                        </a:rPr>
+                        <a:t>……</a:t>
+                      </a:r>
+                      <a:endParaRPr lang="zh-CN" altLang="en-US" dirty="0">
+                        <a:latin typeface="Arial Black" panose="020B0A04020102020204" pitchFamily="34" charset="0"/>
+                      </a:endParaRPr>
+                    </a:p>
+                  </a:txBody>
+                  <a:tcPr anchor="ctr"/>
+                </a:tc>
+                <a:tc>
+                  <a:txBody>
+                    <a:bodyPr/>
+                    <a:lstStyle/>
+                    <a:p>
+                      <a:pPr algn="ctr"/>
+                      <a:r>
+                        <a:rPr lang="en-US" altLang="zh-CN" dirty="0" smtClean="0">
+                          <a:latin typeface="Arial Black" panose="020B0A04020102020204" pitchFamily="34" charset="0"/>
+                        </a:rPr>
+                        <a:t>……</a:t>
+                      </a:r>
+                      <a:endParaRPr lang="zh-CN" altLang="en-US" dirty="0">
+                        <a:latin typeface="Arial Black" panose="020B0A04020102020204" pitchFamily="34" charset="0"/>
+                      </a:endParaRPr>
+                    </a:p>
+                  </a:txBody>
+                  <a:tcPr anchor="ctr"/>
+                </a:tc>
+                <a:extLst>
+                  <a:ext uri="{0D108BD9-81ED-4DB2-BD59-A6C34878D82A}">
+                    <a16:rowId xmlns:a16="http://schemas.microsoft.com/office/drawing/2014/main" val="1547870687"/>
+                  </a:ext>
+                </a:extLst>
+              </a:tr>
+            </a:tbl>
+          </a:graphicData>
+        </a:graphic>
+      </p:graphicFrame>
+      <p:sp>
+        <p:nvSpPr>
+          <p:cNvPr id="7" name="文本框 6"/>
+          <p:cNvSpPr txBox="1"/>
+          <p:nvPr/>
+        </p:nvSpPr>
+        <p:spPr>
+          <a:xfrm>
+            <a:off x="3612995" y="4482791"/>
+            <a:ext cx="3781805" cy="369332"/>
+          </a:xfrm>
+          <a:prstGeom prst="rect">
+            <a:avLst/>
+          </a:prstGeom>
+          <a:noFill/>
+        </p:spPr>
+        <p:txBody>
+          <a:bodyPr wrap="none" rtlCol="0">
+            <a:spAutoFit/>
+          </a:bodyPr>
+          <a:lstStyle/>
+          <a:p>
+            <a:r>
+              <a:rPr lang="zh-CN" altLang="en-US" dirty="0">
+                <a:latin typeface="华文仿宋" panose="02010600040101010101" pitchFamily="2" charset="-122"/>
+                <a:ea typeface="华文仿宋" panose="02010600040101010101" pitchFamily="2" charset="-122"/>
+              </a:rPr>
+              <a:t>一</a:t>
+            </a:r>
+            <a:r>
+              <a:rPr lang="zh-CN" altLang="en-US" dirty="0" smtClean="0">
+                <a:latin typeface="华文仿宋" panose="02010600040101010101" pitchFamily="2" charset="-122"/>
+                <a:ea typeface="华文仿宋" panose="02010600040101010101" pitchFamily="2" charset="-122"/>
+              </a:rPr>
+              <a:t>个图形元素的二元图替换表</a:t>
+            </a:r>
+            <a:r>
+              <a:rPr lang="en-US" altLang="zh-CN" dirty="0" smtClean="0">
+                <a:latin typeface="华文仿宋" panose="02010600040101010101" pitchFamily="2" charset="-122"/>
+                <a:ea typeface="华文仿宋" panose="02010600040101010101" pitchFamily="2" charset="-122"/>
+              </a:rPr>
+              <a:t>(</a:t>
+            </a:r>
+            <a:r>
+              <a:rPr lang="zh-CN" altLang="en-US" dirty="0" smtClean="0">
+                <a:latin typeface="华文仿宋" panose="02010600040101010101" pitchFamily="2" charset="-122"/>
+                <a:ea typeface="华文仿宋" panose="02010600040101010101" pitchFamily="2" charset="-122"/>
+              </a:rPr>
+              <a:t>部分</a:t>
+            </a:r>
+            <a:r>
+              <a:rPr lang="en-US" altLang="zh-CN" dirty="0" smtClean="0">
+                <a:latin typeface="华文仿宋" panose="02010600040101010101" pitchFamily="2" charset="-122"/>
+                <a:ea typeface="华文仿宋" panose="02010600040101010101" pitchFamily="2" charset="-122"/>
+              </a:rPr>
+              <a:t>)</a:t>
+            </a:r>
+            <a:endParaRPr lang="zh-CN" altLang="en-US" dirty="0">
+              <a:latin typeface="华文仿宋" panose="02010600040101010101" pitchFamily="2" charset="-122"/>
+              <a:ea typeface="华文仿宋" panose="02010600040101010101" pitchFamily="2" charset="-122"/>
+            </a:endParaRPr>
+          </a:p>
+        </p:txBody>
+      </p:sp>
+    </p:spTree>
+    <p:extLst>
+      <p:ext uri="{BB962C8B-B14F-4D97-AF65-F5344CB8AC3E}">
+        <p14:creationId xmlns:p14="http://schemas.microsoft.com/office/powerpoint/2010/main" val="2289213415"/>
+      </p:ext>
+    </p:extLst>
+  </p:cSld>
+  <p:clrMapOvr>
+    <a:masterClrMapping/>
+  </p:clrMapOvr>
+</p:sld>
+</file>
+
 <file path=ppt/theme/theme1.xml><?xml version="1.0" encoding="utf-8"?>
 <a:theme xmlns:a="http://schemas.openxmlformats.org/drawingml/2006/main" name="Office 主题​​">
   <a:themeElements>
